--- a/Visualisation_ppt.pptx
+++ b/Visualisation_ppt.pptx
@@ -260,7 +260,7 @@
             <a:fld id="{93FAAC3A-BD1F-4A00-9099-74B95789FE00}" type="datetimeFigureOut">
               <a:rPr lang="en-GB" smtClean="0"/>
               <a:pPr/>
-              <a:t>06/12/2025</a:t>
+              <a:t>11/12/2025</a:t>
             </a:fld>
             <a:endParaRPr lang="en-GB"/>
           </a:p>
@@ -439,7 +439,7 @@
             <a:fld id="{8E359C8A-39F6-4045-9163-4042C4C26B15}" type="datetimeFigureOut">
               <a:rPr lang="en-GB" smtClean="0"/>
               <a:pPr/>
-              <a:t>06/12/2025</a:t>
+              <a:t>11/12/2025</a:t>
             </a:fld>
             <a:endParaRPr lang="en-GB"/>
           </a:p>
@@ -6366,23 +6366,7 @@
                   <a:srgbClr val="FF0000"/>
                 </a:solidFill>
               </a:rPr>
-              <a:t>Is there a correlation between the average audience rating </a:t>
-            </a:r>
-            <a:r>
-              <a:rPr lang="en-US">
-                <a:solidFill>
-                  <a:srgbClr val="FF0000"/>
-                </a:solidFill>
-              </a:rPr>
-              <a:t>and the </a:t>
-            </a:r>
-            <a:r>
-              <a:rPr lang="en-US" dirty="0">
-                <a:solidFill>
-                  <a:srgbClr val="FF0000"/>
-                </a:solidFill>
-              </a:rPr>
-              <a:t>production budget  of movies listed on the Internet Movie Database (IMDb) released between 2000 and 2019?</a:t>
+              <a:t>Is there a correlation between the average audience rating and the production budget  of movies listed on the Internet Movie Database (IMDb) released between 2002 and 2019?</a:t>
             </a:r>
           </a:p>
           <a:p>
@@ -10243,6 +10227,15 @@
 </file>
 
 <file path=customXml/item1.xml><?xml version="1.0" encoding="utf-8"?>
+<?mso-contentType ?>
+<FormTemplates xmlns="http://schemas.microsoft.com/sharepoint/v3/contenttype/forms">
+  <Display>DocumentLibraryForm</Display>
+  <Edit>DocumentLibraryForm</Edit>
+  <New>DocumentLibraryForm</New>
+</FormTemplates>
+</file>
+
+<file path=customXml/item2.xml><?xml version="1.0" encoding="utf-8"?>
 <ct:contentTypeSchema xmlns:ct="http://schemas.microsoft.com/office/2006/metadata/contentType" xmlns:ma="http://schemas.microsoft.com/office/2006/metadata/properties/metaAttributes" ct:_="" ma:_="" ma:contentTypeName="Document" ma:contentTypeID="0x01010026DBA85F447B164191BB36C258697B67" ma:contentTypeVersion="14" ma:contentTypeDescription="Create a new document." ma:contentTypeScope="" ma:versionID="ea511d05ca7f895fe9556935b5c9af34">
   <xsd:schema xmlns:xsd="http://www.w3.org/2001/XMLSchema" xmlns:xs="http://www.w3.org/2001/XMLSchema" xmlns:p="http://schemas.microsoft.com/office/2006/metadata/properties" xmlns:ns2="4ad138b4-2b68-4b70-945d-07f8f18b1c9a" xmlns:ns3="3c474641-ec36-472f-b125-6b1b0910eaa4" targetNamespace="http://schemas.microsoft.com/office/2006/metadata/properties" ma:root="true" ma:fieldsID="662270106d7a7e100bcac2c5f8d29899" ns2:_="" ns3:_="">
     <xsd:import namespace="4ad138b4-2b68-4b70-945d-07f8f18b1c9a"/>
@@ -10467,15 +10460,6 @@
 </ct:contentTypeSchema>
 </file>
 
-<file path=customXml/item2.xml><?xml version="1.0" encoding="utf-8"?>
-<?mso-contentType ?>
-<FormTemplates xmlns="http://schemas.microsoft.com/sharepoint/v3/contenttype/forms">
-  <Display>DocumentLibraryForm</Display>
-  <Edit>DocumentLibraryForm</Edit>
-  <New>DocumentLibraryForm</New>
-</FormTemplates>
-</file>
-
 <file path=customXml/item3.xml><?xml version="1.0" encoding="utf-8"?>
 <p:properties xmlns:p="http://schemas.microsoft.com/office/2006/metadata/properties" xmlns:xsi="http://www.w3.org/2001/XMLSchema-instance" xmlns:pc="http://schemas.microsoft.com/office/infopath/2007/PartnerControls">
   <documentManagement>
@@ -10485,6 +10469,14 @@
 </file>
 
 <file path=customXml/itemProps1.xml><?xml version="1.0" encoding="utf-8"?>
+<ds:datastoreItem xmlns:ds="http://schemas.openxmlformats.org/officeDocument/2006/customXml" ds:itemID="{91C521DD-2673-4EE6-BB9B-DC5C3320FFBB}">
+  <ds:schemaRefs>
+    <ds:schemaRef ds:uri="http://schemas.microsoft.com/sharepoint/v3/contenttype/forms"/>
+  </ds:schemaRefs>
+</ds:datastoreItem>
+</file>
+
+<file path=customXml/itemProps2.xml><?xml version="1.0" encoding="utf-8"?>
 <ds:datastoreItem xmlns:ds="http://schemas.openxmlformats.org/officeDocument/2006/customXml" ds:itemID="{421B8C57-903D-4D0E-8336-7B512F760CD1}">
   <ds:schemaRefs>
     <ds:schemaRef ds:uri="3c474641-ec36-472f-b125-6b1b0910eaa4"/>
@@ -10499,14 +10491,6 @@
     <ds:schemaRef ds:uri="http://schemas.microsoft.com/office/infopath/2007/PartnerControls"/>
     <ds:schemaRef ds:uri="http://schemas.openxmlformats.org/package/2006/metadata/core-properties"/>
     <ds:schemaRef ds:uri="http://www.w3.org/2001/XMLSchema"/>
-  </ds:schemaRefs>
-</ds:datastoreItem>
-</file>
-
-<file path=customXml/itemProps2.xml><?xml version="1.0" encoding="utf-8"?>
-<ds:datastoreItem xmlns:ds="http://schemas.openxmlformats.org/officeDocument/2006/customXml" ds:itemID="{91C521DD-2673-4EE6-BB9B-DC5C3320FFBB}">
-  <ds:schemaRefs>
-    <ds:schemaRef ds:uri="http://schemas.microsoft.com/sharepoint/v3/contenttype/forms"/>
   </ds:schemaRefs>
 </ds:datastoreItem>
 </file>
